--- a/Presentation.pptx
+++ b/Presentation.pptx
@@ -1126,7 +1126,7 @@
           <a:noFill/>
           <a:extLst>
             <a:ext uri="{909E8E84-426E-40dd-AFC4-6F175D3DCCD1}">
-              <a14:hiddenFill xmlns:a14="http://schemas.microsoft.com/office/drawing/2010/main" xmlns="">
+              <a14:hiddenFill xmlns="" xmlns:a14="http://schemas.microsoft.com/office/drawing/2010/main">
                 <a:solidFill>
                   <a:srgbClr val="FFFFFF"/>
                 </a:solidFill>
@@ -1185,7 +1185,7 @@
             </a:ln>
             <a:extLst>
               <a:ext uri="{91240B29-F687-4f45-9708-019B960494DF}">
-                <a14:hiddenLine xmlns:a14="http://schemas.microsoft.com/office/drawing/2010/main" xmlns="" w="9525">
+                <a14:hiddenLine xmlns="" xmlns:a14="http://schemas.microsoft.com/office/drawing/2010/main" w="9525">
                   <a:solidFill>
                     <a:srgbClr val="000000"/>
                   </a:solidFill>
@@ -1275,7 +1275,7 @@
             </a:ln>
             <a:extLst>
               <a:ext uri="{91240B29-F687-4f45-9708-019B960494DF}">
-                <a14:hiddenLine xmlns:a14="http://schemas.microsoft.com/office/drawing/2010/main" xmlns="" w="9525">
+                <a14:hiddenLine xmlns="" xmlns:a14="http://schemas.microsoft.com/office/drawing/2010/main" w="9525">
                   <a:solidFill>
                     <a:srgbClr val="000000"/>
                   </a:solidFill>
@@ -1365,7 +1365,7 @@
             </a:ln>
             <a:extLst>
               <a:ext uri="{91240B29-F687-4f45-9708-019B960494DF}">
-                <a14:hiddenLine xmlns:a14="http://schemas.microsoft.com/office/drawing/2010/main" xmlns="" w="9525">
+                <a14:hiddenLine xmlns="" xmlns:a14="http://schemas.microsoft.com/office/drawing/2010/main" w="9525">
                   <a:solidFill>
                     <a:srgbClr val="000000"/>
                   </a:solidFill>
@@ -1399,7 +1399,7 @@
             </a:ln>
             <a:extLst>
               <a:ext uri="{91240B29-F687-4f45-9708-019B960494DF}">
-                <a14:hiddenLine xmlns:a14="http://schemas.microsoft.com/office/drawing/2010/main" xmlns="" w="9525">
+                <a14:hiddenLine xmlns="" xmlns:a14="http://schemas.microsoft.com/office/drawing/2010/main" w="9525">
                   <a:solidFill>
                     <a:srgbClr val="000000"/>
                   </a:solidFill>
@@ -1489,7 +1489,7 @@
             </a:ln>
             <a:extLst>
               <a:ext uri="{91240B29-F687-4f45-9708-019B960494DF}">
-                <a14:hiddenLine xmlns:a14="http://schemas.microsoft.com/office/drawing/2010/main" xmlns="" w="9525">
+                <a14:hiddenLine xmlns="" xmlns:a14="http://schemas.microsoft.com/office/drawing/2010/main" w="9525">
                   <a:solidFill>
                     <a:srgbClr val="000000"/>
                   </a:solidFill>
@@ -1551,7 +1551,7 @@
             </a:ln>
             <a:extLst>
               <a:ext uri="{91240B29-F687-4f45-9708-019B960494DF}">
-                <a14:hiddenLine xmlns:a14="http://schemas.microsoft.com/office/drawing/2010/main" xmlns="" w="9525">
+                <a14:hiddenLine xmlns="" xmlns:a14="http://schemas.microsoft.com/office/drawing/2010/main" w="9525">
                   <a:solidFill>
                     <a:srgbClr val="000000"/>
                   </a:solidFill>
@@ -1613,7 +1613,7 @@
             </a:ln>
             <a:extLst>
               <a:ext uri="{91240B29-F687-4f45-9708-019B960494DF}">
-                <a14:hiddenLine xmlns:a14="http://schemas.microsoft.com/office/drawing/2010/main" xmlns="" w="9525">
+                <a14:hiddenLine xmlns="" xmlns:a14="http://schemas.microsoft.com/office/drawing/2010/main" w="9525">
                   <a:solidFill>
                     <a:srgbClr val="000000"/>
                   </a:solidFill>
@@ -1703,7 +1703,7 @@
             </a:ln>
             <a:extLst>
               <a:ext uri="{91240B29-F687-4f45-9708-019B960494DF}">
-                <a14:hiddenLine xmlns:a14="http://schemas.microsoft.com/office/drawing/2010/main" xmlns="" w="9525">
+                <a14:hiddenLine xmlns="" xmlns:a14="http://schemas.microsoft.com/office/drawing/2010/main" w="9525">
                   <a:solidFill>
                     <a:srgbClr val="000000"/>
                   </a:solidFill>
@@ -1765,7 +1765,7 @@
             </a:ln>
             <a:extLst>
               <a:ext uri="{91240B29-F687-4f45-9708-019B960494DF}">
-                <a14:hiddenLine xmlns:a14="http://schemas.microsoft.com/office/drawing/2010/main" xmlns="" w="9525">
+                <a14:hiddenLine xmlns="" xmlns:a14="http://schemas.microsoft.com/office/drawing/2010/main" w="9525">
                   <a:solidFill>
                     <a:srgbClr val="000000"/>
                   </a:solidFill>
@@ -1827,7 +1827,7 @@
             </a:ln>
             <a:extLst>
               <a:ext uri="{91240B29-F687-4f45-9708-019B960494DF}">
-                <a14:hiddenLine xmlns:a14="http://schemas.microsoft.com/office/drawing/2010/main" xmlns="" w="9525">
+                <a14:hiddenLine xmlns="" xmlns:a14="http://schemas.microsoft.com/office/drawing/2010/main" w="9525">
                   <a:solidFill>
                     <a:srgbClr val="000000"/>
                   </a:solidFill>
@@ -1917,7 +1917,7 @@
             </a:ln>
             <a:extLst>
               <a:ext uri="{91240B29-F687-4f45-9708-019B960494DF}">
-                <a14:hiddenLine xmlns:a14="http://schemas.microsoft.com/office/drawing/2010/main" xmlns="" w="9525">
+                <a14:hiddenLine xmlns="" xmlns:a14="http://schemas.microsoft.com/office/drawing/2010/main" w="9525">
                   <a:solidFill>
                     <a:srgbClr val="000000"/>
                   </a:solidFill>
@@ -2007,7 +2007,7 @@
             </a:ln>
             <a:extLst>
               <a:ext uri="{91240B29-F687-4f45-9708-019B960494DF}">
-                <a14:hiddenLine xmlns:a14="http://schemas.microsoft.com/office/drawing/2010/main" xmlns="" w="9525">
+                <a14:hiddenLine xmlns="" xmlns:a14="http://schemas.microsoft.com/office/drawing/2010/main" w="9525">
                   <a:solidFill>
                     <a:srgbClr val="000000"/>
                   </a:solidFill>
@@ -2069,7 +2069,7 @@
             </a:ln>
             <a:extLst>
               <a:ext uri="{91240B29-F687-4f45-9708-019B960494DF}">
-                <a14:hiddenLine xmlns:a14="http://schemas.microsoft.com/office/drawing/2010/main" xmlns="" w="9525">
+                <a14:hiddenLine xmlns="" xmlns:a14="http://schemas.microsoft.com/office/drawing/2010/main" w="9525">
                   <a:solidFill>
                     <a:srgbClr val="000000"/>
                   </a:solidFill>
@@ -2179,7 +2179,7 @@
             </a:ln>
             <a:extLst>
               <a:ext uri="{91240B29-F687-4f45-9708-019B960494DF}">
-                <a14:hiddenLine xmlns:a14="http://schemas.microsoft.com/office/drawing/2010/main" xmlns="" w="9525">
+                <a14:hiddenLine xmlns="" xmlns:a14="http://schemas.microsoft.com/office/drawing/2010/main" w="9525">
                   <a:solidFill>
                     <a:srgbClr val="000000"/>
                   </a:solidFill>
@@ -2241,7 +2241,7 @@
             </a:ln>
             <a:extLst>
               <a:ext uri="{91240B29-F687-4f45-9708-019B960494DF}">
-                <a14:hiddenLine xmlns:a14="http://schemas.microsoft.com/office/drawing/2010/main" xmlns="" w="9525">
+                <a14:hiddenLine xmlns="" xmlns:a14="http://schemas.microsoft.com/office/drawing/2010/main" w="9525">
                   <a:solidFill>
                     <a:srgbClr val="000000"/>
                   </a:solidFill>
@@ -2331,7 +2331,7 @@
             </a:ln>
             <a:extLst>
               <a:ext uri="{91240B29-F687-4f45-9708-019B960494DF}">
-                <a14:hiddenLine xmlns:a14="http://schemas.microsoft.com/office/drawing/2010/main" xmlns="" w="9525">
+                <a14:hiddenLine xmlns="" xmlns:a14="http://schemas.microsoft.com/office/drawing/2010/main" w="9525">
                   <a:solidFill>
                     <a:srgbClr val="000000"/>
                   </a:solidFill>
@@ -2421,7 +2421,7 @@
             </a:ln>
             <a:extLst>
               <a:ext uri="{91240B29-F687-4f45-9708-019B960494DF}">
-                <a14:hiddenLine xmlns:a14="http://schemas.microsoft.com/office/drawing/2010/main" xmlns="" w="9525">
+                <a14:hiddenLine xmlns="" xmlns:a14="http://schemas.microsoft.com/office/drawing/2010/main" w="9525">
                   <a:solidFill>
                     <a:srgbClr val="000000"/>
                   </a:solidFill>
@@ -2483,7 +2483,7 @@
             </a:ln>
             <a:extLst>
               <a:ext uri="{91240B29-F687-4f45-9708-019B960494DF}">
-                <a14:hiddenLine xmlns:a14="http://schemas.microsoft.com/office/drawing/2010/main" xmlns="" w="9525">
+                <a14:hiddenLine xmlns="" xmlns:a14="http://schemas.microsoft.com/office/drawing/2010/main" w="9525">
                   <a:solidFill>
                     <a:srgbClr val="000000"/>
                   </a:solidFill>
@@ -2573,7 +2573,7 @@
             </a:ln>
             <a:extLst>
               <a:ext uri="{91240B29-F687-4f45-9708-019B960494DF}">
-                <a14:hiddenLine xmlns:a14="http://schemas.microsoft.com/office/drawing/2010/main" xmlns="" w="9525">
+                <a14:hiddenLine xmlns="" xmlns:a14="http://schemas.microsoft.com/office/drawing/2010/main" w="9525">
                   <a:solidFill>
                     <a:srgbClr val="000000"/>
                   </a:solidFill>
@@ -2663,7 +2663,7 @@
             </a:ln>
             <a:extLst>
               <a:ext uri="{91240B29-F687-4f45-9708-019B960494DF}">
-                <a14:hiddenLine xmlns:a14="http://schemas.microsoft.com/office/drawing/2010/main" xmlns="" w="9525">
+                <a14:hiddenLine xmlns="" xmlns:a14="http://schemas.microsoft.com/office/drawing/2010/main" w="9525">
                   <a:solidFill>
                     <a:srgbClr val="000000"/>
                   </a:solidFill>
@@ -2719,7 +2719,7 @@
             </a:ln>
             <a:extLst>
               <a:ext uri="{91240B29-F687-4f45-9708-019B960494DF}">
-                <a14:hiddenLine xmlns:a14="http://schemas.microsoft.com/office/drawing/2010/main" xmlns="" w="9525">
+                <a14:hiddenLine xmlns="" xmlns:a14="http://schemas.microsoft.com/office/drawing/2010/main" w="9525">
                   <a:solidFill>
                     <a:srgbClr val="000000"/>
                   </a:solidFill>
@@ -2809,7 +2809,7 @@
             </a:ln>
             <a:extLst>
               <a:ext uri="{91240B29-F687-4f45-9708-019B960494DF}">
-                <a14:hiddenLine xmlns:a14="http://schemas.microsoft.com/office/drawing/2010/main" xmlns="" w="9525">
+                <a14:hiddenLine xmlns="" xmlns:a14="http://schemas.microsoft.com/office/drawing/2010/main" w="9525">
                   <a:solidFill>
                     <a:srgbClr val="000000"/>
                   </a:solidFill>
@@ -2865,7 +2865,7 @@
             </a:ln>
             <a:extLst>
               <a:ext uri="{91240B29-F687-4f45-9708-019B960494DF}">
-                <a14:hiddenLine xmlns:a14="http://schemas.microsoft.com/office/drawing/2010/main" xmlns="" w="9525">
+                <a14:hiddenLine xmlns="" xmlns:a14="http://schemas.microsoft.com/office/drawing/2010/main" w="9525">
                   <a:solidFill>
                     <a:srgbClr val="000000"/>
                   </a:solidFill>
@@ -2955,7 +2955,7 @@
             </a:ln>
             <a:extLst>
               <a:ext uri="{91240B29-F687-4f45-9708-019B960494DF}">
-                <a14:hiddenLine xmlns:a14="http://schemas.microsoft.com/office/drawing/2010/main" xmlns="" w="9525">
+                <a14:hiddenLine xmlns="" xmlns:a14="http://schemas.microsoft.com/office/drawing/2010/main" w="9525">
                   <a:solidFill>
                     <a:srgbClr val="000000"/>
                   </a:solidFill>
@@ -3023,7 +3023,7 @@
             </a:ln>
             <a:extLst>
               <a:ext uri="{91240B29-F687-4f45-9708-019B960494DF}">
-                <a14:hiddenLine xmlns:a14="http://schemas.microsoft.com/office/drawing/2010/main" xmlns="" w="9525">
+                <a14:hiddenLine xmlns="" xmlns:a14="http://schemas.microsoft.com/office/drawing/2010/main" w="9525">
                   <a:solidFill>
                     <a:srgbClr val="000000"/>
                   </a:solidFill>
@@ -3113,7 +3113,7 @@
             </a:ln>
             <a:extLst>
               <a:ext uri="{91240B29-F687-4f45-9708-019B960494DF}">
-                <a14:hiddenLine xmlns:a14="http://schemas.microsoft.com/office/drawing/2010/main" xmlns="" w="9525">
+                <a14:hiddenLine xmlns="" xmlns:a14="http://schemas.microsoft.com/office/drawing/2010/main" w="9525">
                   <a:solidFill>
                     <a:srgbClr val="000000"/>
                   </a:solidFill>
@@ -3181,7 +3181,7 @@
             </a:ln>
             <a:extLst>
               <a:ext uri="{91240B29-F687-4f45-9708-019B960494DF}">
-                <a14:hiddenLine xmlns:a14="http://schemas.microsoft.com/office/drawing/2010/main" xmlns="" w="9525">
+                <a14:hiddenLine xmlns="" xmlns:a14="http://schemas.microsoft.com/office/drawing/2010/main" w="9525">
                   <a:solidFill>
                     <a:srgbClr val="000000"/>
                   </a:solidFill>
@@ -3271,7 +3271,7 @@
             </a:ln>
             <a:extLst>
               <a:ext uri="{91240B29-F687-4f45-9708-019B960494DF}">
-                <a14:hiddenLine xmlns:a14="http://schemas.microsoft.com/office/drawing/2010/main" xmlns="" w="9525">
+                <a14:hiddenLine xmlns="" xmlns:a14="http://schemas.microsoft.com/office/drawing/2010/main" w="9525">
                   <a:solidFill>
                     <a:srgbClr val="000000"/>
                   </a:solidFill>
@@ -3305,7 +3305,7 @@
             </a:ln>
             <a:extLst>
               <a:ext uri="{91240B29-F687-4f45-9708-019B960494DF}">
-                <a14:hiddenLine xmlns:a14="http://schemas.microsoft.com/office/drawing/2010/main" xmlns="" w="9525">
+                <a14:hiddenLine xmlns="" xmlns:a14="http://schemas.microsoft.com/office/drawing/2010/main" w="9525">
                   <a:solidFill>
                     <a:srgbClr val="000000"/>
                   </a:solidFill>
@@ -3395,7 +3395,7 @@
             </a:ln>
             <a:extLst>
               <a:ext uri="{91240B29-F687-4f45-9708-019B960494DF}">
-                <a14:hiddenLine xmlns:a14="http://schemas.microsoft.com/office/drawing/2010/main" xmlns="" w="9525">
+                <a14:hiddenLine xmlns="" xmlns:a14="http://schemas.microsoft.com/office/drawing/2010/main" w="9525">
                   <a:solidFill>
                     <a:srgbClr val="000000"/>
                   </a:solidFill>
@@ -3457,7 +3457,7 @@
             </a:ln>
             <a:extLst>
               <a:ext uri="{91240B29-F687-4f45-9708-019B960494DF}">
-                <a14:hiddenLine xmlns:a14="http://schemas.microsoft.com/office/drawing/2010/main" xmlns="" w="9525">
+                <a14:hiddenLine xmlns="" xmlns:a14="http://schemas.microsoft.com/office/drawing/2010/main" w="9525">
                   <a:solidFill>
                     <a:srgbClr val="000000"/>
                   </a:solidFill>
@@ -3519,7 +3519,7 @@
             </a:ln>
             <a:extLst>
               <a:ext uri="{91240B29-F687-4f45-9708-019B960494DF}">
-                <a14:hiddenLine xmlns:a14="http://schemas.microsoft.com/office/drawing/2010/main" xmlns="" w="9525">
+                <a14:hiddenLine xmlns="" xmlns:a14="http://schemas.microsoft.com/office/drawing/2010/main" w="9525">
                   <a:solidFill>
                     <a:srgbClr val="000000"/>
                   </a:solidFill>
@@ -3609,7 +3609,7 @@
             </a:ln>
             <a:extLst>
               <a:ext uri="{91240B29-F687-4f45-9708-019B960494DF}">
-                <a14:hiddenLine xmlns:a14="http://schemas.microsoft.com/office/drawing/2010/main" xmlns="" w="9525">
+                <a14:hiddenLine xmlns="" xmlns:a14="http://schemas.microsoft.com/office/drawing/2010/main" w="9525">
                   <a:solidFill>
                     <a:srgbClr val="000000"/>
                   </a:solidFill>
@@ -3677,7 +3677,7 @@
             </a:ln>
             <a:extLst>
               <a:ext uri="{91240B29-F687-4f45-9708-019B960494DF}">
-                <a14:hiddenLine xmlns:a14="http://schemas.microsoft.com/office/drawing/2010/main" xmlns="" w="9525">
+                <a14:hiddenLine xmlns="" xmlns:a14="http://schemas.microsoft.com/office/drawing/2010/main" w="9525">
                   <a:solidFill>
                     <a:srgbClr val="000000"/>
                   </a:solidFill>
@@ -3739,7 +3739,7 @@
             </a:ln>
             <a:extLst>
               <a:ext uri="{91240B29-F687-4f45-9708-019B960494DF}">
-                <a14:hiddenLine xmlns:a14="http://schemas.microsoft.com/office/drawing/2010/main" xmlns="" w="9525">
+                <a14:hiddenLine xmlns="" xmlns:a14="http://schemas.microsoft.com/office/drawing/2010/main" w="9525">
                   <a:solidFill>
                     <a:srgbClr val="000000"/>
                   </a:solidFill>
@@ -3829,7 +3829,7 @@
             </a:ln>
             <a:extLst>
               <a:ext uri="{91240B29-F687-4f45-9708-019B960494DF}">
-                <a14:hiddenLine xmlns:a14="http://schemas.microsoft.com/office/drawing/2010/main" xmlns="" w="9525">
+                <a14:hiddenLine xmlns="" xmlns:a14="http://schemas.microsoft.com/office/drawing/2010/main" w="9525">
                   <a:solidFill>
                     <a:srgbClr val="000000"/>
                   </a:solidFill>
@@ -3891,7 +3891,7 @@
             </a:ln>
             <a:extLst>
               <a:ext uri="{91240B29-F687-4f45-9708-019B960494DF}">
-                <a14:hiddenLine xmlns:a14="http://schemas.microsoft.com/office/drawing/2010/main" xmlns="" w="9525">
+                <a14:hiddenLine xmlns="" xmlns:a14="http://schemas.microsoft.com/office/drawing/2010/main" w="9525">
                   <a:solidFill>
                     <a:srgbClr val="000000"/>
                   </a:solidFill>
@@ -3981,7 +3981,7 @@
             </a:ln>
             <a:extLst>
               <a:ext uri="{91240B29-F687-4f45-9708-019B960494DF}">
-                <a14:hiddenLine xmlns:a14="http://schemas.microsoft.com/office/drawing/2010/main" xmlns="" w="9525">
+                <a14:hiddenLine xmlns="" xmlns:a14="http://schemas.microsoft.com/office/drawing/2010/main" w="9525">
                   <a:solidFill>
                     <a:srgbClr val="000000"/>
                   </a:solidFill>
@@ -4043,7 +4043,7 @@
             </a:ln>
             <a:extLst>
               <a:ext uri="{91240B29-F687-4f45-9708-019B960494DF}">
-                <a14:hiddenLine xmlns:a14="http://schemas.microsoft.com/office/drawing/2010/main" xmlns="" w="9525">
+                <a14:hiddenLine xmlns="" xmlns:a14="http://schemas.microsoft.com/office/drawing/2010/main" w="9525">
                   <a:solidFill>
                     <a:srgbClr val="000000"/>
                   </a:solidFill>
@@ -4133,7 +4133,7 @@
             </a:ln>
             <a:extLst>
               <a:ext uri="{91240B29-F687-4f45-9708-019B960494DF}">
-                <a14:hiddenLine xmlns:a14="http://schemas.microsoft.com/office/drawing/2010/main" xmlns="" w="9525">
+                <a14:hiddenLine xmlns="" xmlns:a14="http://schemas.microsoft.com/office/drawing/2010/main" w="9525">
                   <a:solidFill>
                     <a:srgbClr val="000000"/>
                   </a:solidFill>
@@ -4167,7 +4167,7 @@
             </a:ln>
             <a:extLst>
               <a:ext uri="{91240B29-F687-4f45-9708-019B960494DF}">
-                <a14:hiddenLine xmlns:a14="http://schemas.microsoft.com/office/drawing/2010/main" xmlns="" w="9525">
+                <a14:hiddenLine xmlns="" xmlns:a14="http://schemas.microsoft.com/office/drawing/2010/main" w="9525">
                   <a:solidFill>
                     <a:srgbClr val="000000"/>
                   </a:solidFill>
@@ -4232,7 +4232,7 @@
             </a:ln>
             <a:extLst>
               <a:ext uri="{91240B29-F687-4f45-9708-019B960494DF}">
-                <a14:hiddenLine xmlns:a14="http://schemas.microsoft.com/office/drawing/2010/main" xmlns="" w="9525">
+                <a14:hiddenLine xmlns="" xmlns:a14="http://schemas.microsoft.com/office/drawing/2010/main" w="9525">
                   <a:solidFill>
                     <a:srgbClr val="000000"/>
                   </a:solidFill>
@@ -4322,7 +4322,7 @@
             </a:ln>
             <a:extLst>
               <a:ext uri="{91240B29-F687-4f45-9708-019B960494DF}">
-                <a14:hiddenLine xmlns:a14="http://schemas.microsoft.com/office/drawing/2010/main" xmlns="" w="9525">
+                <a14:hiddenLine xmlns="" xmlns:a14="http://schemas.microsoft.com/office/drawing/2010/main" w="9525">
                   <a:solidFill>
                     <a:srgbClr val="000000"/>
                   </a:solidFill>
@@ -4384,7 +4384,7 @@
             </a:ln>
             <a:extLst>
               <a:ext uri="{91240B29-F687-4f45-9708-019B960494DF}">
-                <a14:hiddenLine xmlns:a14="http://schemas.microsoft.com/office/drawing/2010/main" xmlns="" w="9525">
+                <a14:hiddenLine xmlns="" xmlns:a14="http://schemas.microsoft.com/office/drawing/2010/main" w="9525">
                   <a:solidFill>
                     <a:srgbClr val="000000"/>
                   </a:solidFill>
@@ -4474,7 +4474,7 @@
             </a:ln>
             <a:extLst>
               <a:ext uri="{91240B29-F687-4f45-9708-019B960494DF}">
-                <a14:hiddenLine xmlns:a14="http://schemas.microsoft.com/office/drawing/2010/main" xmlns="" w="9525">
+                <a14:hiddenLine xmlns="" xmlns:a14="http://schemas.microsoft.com/office/drawing/2010/main" w="9525">
                   <a:solidFill>
                     <a:srgbClr val="000000"/>
                   </a:solidFill>
@@ -4564,7 +4564,7 @@
             </a:ln>
             <a:extLst>
               <a:ext uri="{91240B29-F687-4f45-9708-019B960494DF}">
-                <a14:hiddenLine xmlns:a14="http://schemas.microsoft.com/office/drawing/2010/main" xmlns="" w="9525">
+                <a14:hiddenLine xmlns="" xmlns:a14="http://schemas.microsoft.com/office/drawing/2010/main" w="9525">
                   <a:solidFill>
                     <a:srgbClr val="000000"/>
                   </a:solidFill>
@@ -4629,7 +4629,7 @@
             </a:ln>
             <a:extLst>
               <a:ext uri="{91240B29-F687-4f45-9708-019B960494DF}">
-                <a14:hiddenLine xmlns:a14="http://schemas.microsoft.com/office/drawing/2010/main" xmlns="" w="9525">
+                <a14:hiddenLine xmlns="" xmlns:a14="http://schemas.microsoft.com/office/drawing/2010/main" w="9525">
                   <a:solidFill>
                     <a:srgbClr val="000000"/>
                   </a:solidFill>
@@ -4691,7 +4691,7 @@
             </a:ln>
             <a:extLst>
               <a:ext uri="{91240B29-F687-4f45-9708-019B960494DF}">
-                <a14:hiddenLine xmlns:a14="http://schemas.microsoft.com/office/drawing/2010/main" xmlns="" w="9525">
+                <a14:hiddenLine xmlns="" xmlns:a14="http://schemas.microsoft.com/office/drawing/2010/main" w="9525">
                   <a:solidFill>
                     <a:srgbClr val="000000"/>
                   </a:solidFill>
@@ -4781,7 +4781,7 @@
             </a:ln>
             <a:extLst>
               <a:ext uri="{91240B29-F687-4f45-9708-019B960494DF}">
-                <a14:hiddenLine xmlns:a14="http://schemas.microsoft.com/office/drawing/2010/main" xmlns="" w="9525">
+                <a14:hiddenLine xmlns="" xmlns:a14="http://schemas.microsoft.com/office/drawing/2010/main" w="9525">
                   <a:solidFill>
                     <a:srgbClr val="000000"/>
                   </a:solidFill>
@@ -4871,7 +4871,7 @@
             </a:ln>
             <a:extLst>
               <a:ext uri="{91240B29-F687-4f45-9708-019B960494DF}">
-                <a14:hiddenLine xmlns:a14="http://schemas.microsoft.com/office/drawing/2010/main" xmlns="" w="9525">
+                <a14:hiddenLine xmlns="" xmlns:a14="http://schemas.microsoft.com/office/drawing/2010/main" w="9525">
                   <a:solidFill>
                     <a:srgbClr val="000000"/>
                   </a:solidFill>
@@ -4933,7 +4933,7 @@
             </a:ln>
             <a:extLst>
               <a:ext uri="{91240B29-F687-4f45-9708-019B960494DF}">
-                <a14:hiddenLine xmlns:a14="http://schemas.microsoft.com/office/drawing/2010/main" xmlns="" w="9525">
+                <a14:hiddenLine xmlns="" xmlns:a14="http://schemas.microsoft.com/office/drawing/2010/main" w="9525">
                   <a:solidFill>
                     <a:srgbClr val="000000"/>
                   </a:solidFill>
@@ -5053,7 +5053,7 @@
             </a:ln>
             <a:extLst>
               <a:ext uri="{91240B29-F687-4f45-9708-019B960494DF}">
-                <a14:hiddenLine xmlns:a14="http://schemas.microsoft.com/office/drawing/2010/main" xmlns="" w="9525">
+                <a14:hiddenLine xmlns="" xmlns:a14="http://schemas.microsoft.com/office/drawing/2010/main" w="9525">
                   <a:solidFill>
                     <a:srgbClr val="000000"/>
                   </a:solidFill>
@@ -5121,7 +5121,7 @@
             </a:ln>
             <a:extLst>
               <a:ext uri="{91240B29-F687-4f45-9708-019B960494DF}">
-                <a14:hiddenLine xmlns:a14="http://schemas.microsoft.com/office/drawing/2010/main" xmlns="" w="9525">
+                <a14:hiddenLine xmlns="" xmlns:a14="http://schemas.microsoft.com/office/drawing/2010/main" w="9525">
                   <a:solidFill>
                     <a:srgbClr val="000000"/>
                   </a:solidFill>
@@ -5211,7 +5211,7 @@
             </a:ln>
             <a:extLst>
               <a:ext uri="{91240B29-F687-4f45-9708-019B960494DF}">
-                <a14:hiddenLine xmlns:a14="http://schemas.microsoft.com/office/drawing/2010/main" xmlns="" w="9525">
+                <a14:hiddenLine xmlns="" xmlns:a14="http://schemas.microsoft.com/office/drawing/2010/main" w="9525">
                   <a:solidFill>
                     <a:srgbClr val="000000"/>
                   </a:solidFill>
@@ -10609,7 +10609,7 @@
           <a:noFill/>
           <a:extLst>
             <a:ext uri="{909E8E84-426E-40dd-AFC4-6F175D3DCCD1}">
-              <a14:hiddenFill xmlns:a14="http://schemas.microsoft.com/office/drawing/2010/main" xmlns="">
+              <a14:hiddenFill xmlns="" xmlns:a14="http://schemas.microsoft.com/office/drawing/2010/main">
                 <a:solidFill>
                   <a:srgbClr val="FFFFFF"/>
                 </a:solidFill>
@@ -10683,7 +10683,7 @@
               </a:ln>
               <a:extLst>
                 <a:ext uri="{91240B29-F687-4f45-9708-019B960494DF}">
-                  <a14:hiddenLine xmlns:a14="http://schemas.microsoft.com/office/drawing/2010/main" xmlns="" w="9525">
+                  <a14:hiddenLine xmlns="" xmlns:a14="http://schemas.microsoft.com/office/drawing/2010/main" w="9525">
                     <a:solidFill>
                       <a:srgbClr val="000000"/>
                     </a:solidFill>
@@ -10773,7 +10773,7 @@
               </a:ln>
               <a:extLst>
                 <a:ext uri="{91240B29-F687-4f45-9708-019B960494DF}">
-                  <a14:hiddenLine xmlns:a14="http://schemas.microsoft.com/office/drawing/2010/main" xmlns="" w="9525">
+                  <a14:hiddenLine xmlns="" xmlns:a14="http://schemas.microsoft.com/office/drawing/2010/main" w="9525">
                     <a:solidFill>
                       <a:srgbClr val="000000"/>
                     </a:solidFill>
@@ -10863,7 +10863,7 @@
               </a:ln>
               <a:extLst>
                 <a:ext uri="{91240B29-F687-4f45-9708-019B960494DF}">
-                  <a14:hiddenLine xmlns:a14="http://schemas.microsoft.com/office/drawing/2010/main" xmlns="" w="9525">
+                  <a14:hiddenLine xmlns="" xmlns:a14="http://schemas.microsoft.com/office/drawing/2010/main" w="9525">
                     <a:solidFill>
                       <a:srgbClr val="000000"/>
                     </a:solidFill>
@@ -10925,7 +10925,7 @@
               </a:ln>
               <a:extLst>
                 <a:ext uri="{91240B29-F687-4f45-9708-019B960494DF}">
-                  <a14:hiddenLine xmlns:a14="http://schemas.microsoft.com/office/drawing/2010/main" xmlns="" w="9525">
+                  <a14:hiddenLine xmlns="" xmlns:a14="http://schemas.microsoft.com/office/drawing/2010/main" w="9525">
                     <a:solidFill>
                       <a:srgbClr val="000000"/>
                     </a:solidFill>
@@ -11015,7 +11015,7 @@
               </a:ln>
               <a:extLst>
                 <a:ext uri="{91240B29-F687-4f45-9708-019B960494DF}">
-                  <a14:hiddenLine xmlns:a14="http://schemas.microsoft.com/office/drawing/2010/main" xmlns="" w="9525">
+                  <a14:hiddenLine xmlns="" xmlns:a14="http://schemas.microsoft.com/office/drawing/2010/main" w="9525">
                     <a:solidFill>
                       <a:srgbClr val="000000"/>
                     </a:solidFill>
@@ -11077,7 +11077,7 @@
               </a:ln>
               <a:extLst>
                 <a:ext uri="{91240B29-F687-4f45-9708-019B960494DF}">
-                  <a14:hiddenLine xmlns:a14="http://schemas.microsoft.com/office/drawing/2010/main" xmlns="" w="9525">
+                  <a14:hiddenLine xmlns="" xmlns:a14="http://schemas.microsoft.com/office/drawing/2010/main" w="9525">
                     <a:solidFill>
                       <a:srgbClr val="000000"/>
                     </a:solidFill>
@@ -11139,7 +11139,7 @@
               </a:ln>
               <a:extLst>
                 <a:ext uri="{91240B29-F687-4f45-9708-019B960494DF}">
-                  <a14:hiddenLine xmlns:a14="http://schemas.microsoft.com/office/drawing/2010/main" xmlns="" w="9525">
+                  <a14:hiddenLine xmlns="" xmlns:a14="http://schemas.microsoft.com/office/drawing/2010/main" w="9525">
                     <a:solidFill>
                       <a:srgbClr val="000000"/>
                     </a:solidFill>
@@ -11229,7 +11229,7 @@
               </a:ln>
               <a:extLst>
                 <a:ext uri="{91240B29-F687-4f45-9708-019B960494DF}">
-                  <a14:hiddenLine xmlns:a14="http://schemas.microsoft.com/office/drawing/2010/main" xmlns="" w="9525">
+                  <a14:hiddenLine xmlns="" xmlns:a14="http://schemas.microsoft.com/office/drawing/2010/main" w="9525">
                     <a:solidFill>
                       <a:srgbClr val="000000"/>
                     </a:solidFill>
@@ -11319,7 +11319,7 @@
               </a:ln>
               <a:extLst>
                 <a:ext uri="{91240B29-F687-4f45-9708-019B960494DF}">
-                  <a14:hiddenLine xmlns:a14="http://schemas.microsoft.com/office/drawing/2010/main" xmlns="" w="9525">
+                  <a14:hiddenLine xmlns="" xmlns:a14="http://schemas.microsoft.com/office/drawing/2010/main" w="9525">
                     <a:solidFill>
                       <a:srgbClr val="000000"/>
                     </a:solidFill>
@@ -11381,7 +11381,7 @@
               </a:ln>
               <a:extLst>
                 <a:ext uri="{91240B29-F687-4f45-9708-019B960494DF}">
-                  <a14:hiddenLine xmlns:a14="http://schemas.microsoft.com/office/drawing/2010/main" xmlns="" w="9525">
+                  <a14:hiddenLine xmlns="" xmlns:a14="http://schemas.microsoft.com/office/drawing/2010/main" w="9525">
                     <a:solidFill>
                       <a:srgbClr val="000000"/>
                     </a:solidFill>
@@ -11491,7 +11491,7 @@
               </a:ln>
               <a:extLst>
                 <a:ext uri="{91240B29-F687-4f45-9708-019B960494DF}">
-                  <a14:hiddenLine xmlns:a14="http://schemas.microsoft.com/office/drawing/2010/main" xmlns="" w="9525">
+                  <a14:hiddenLine xmlns="" xmlns:a14="http://schemas.microsoft.com/office/drawing/2010/main" w="9525">
                     <a:solidFill>
                       <a:srgbClr val="000000"/>
                     </a:solidFill>
@@ -11575,7 +11575,7 @@
               </a:ln>
               <a:extLst>
                 <a:ext uri="{91240B29-F687-4f45-9708-019B960494DF}">
-                  <a14:hiddenLine xmlns:a14="http://schemas.microsoft.com/office/drawing/2010/main" xmlns="" w="9525">
+                  <a14:hiddenLine xmlns="" xmlns:a14="http://schemas.microsoft.com/office/drawing/2010/main" w="9525">
                     <a:solidFill>
                       <a:srgbClr val="000000"/>
                     </a:solidFill>
@@ -11637,7 +11637,7 @@
               </a:ln>
               <a:extLst>
                 <a:ext uri="{91240B29-F687-4f45-9708-019B960494DF}">
-                  <a14:hiddenLine xmlns:a14="http://schemas.microsoft.com/office/drawing/2010/main" xmlns="" w="9525">
+                  <a14:hiddenLine xmlns="" xmlns:a14="http://schemas.microsoft.com/office/drawing/2010/main" w="9525">
                     <a:solidFill>
                       <a:srgbClr val="000000"/>
                     </a:solidFill>
@@ -11699,7 +11699,7 @@
               </a:ln>
               <a:extLst>
                 <a:ext uri="{91240B29-F687-4f45-9708-019B960494DF}">
-                  <a14:hiddenLine xmlns:a14="http://schemas.microsoft.com/office/drawing/2010/main" xmlns="" w="9525">
+                  <a14:hiddenLine xmlns="" xmlns:a14="http://schemas.microsoft.com/office/drawing/2010/main" w="9525">
                     <a:solidFill>
                       <a:srgbClr val="000000"/>
                     </a:solidFill>
@@ -11789,7 +11789,7 @@
               </a:ln>
               <a:extLst>
                 <a:ext uri="{91240B29-F687-4f45-9708-019B960494DF}">
-                  <a14:hiddenLine xmlns:a14="http://schemas.microsoft.com/office/drawing/2010/main" xmlns="" w="9525">
+                  <a14:hiddenLine xmlns="" xmlns:a14="http://schemas.microsoft.com/office/drawing/2010/main" w="9525">
                     <a:solidFill>
                       <a:srgbClr val="000000"/>
                     </a:solidFill>
@@ -11823,7 +11823,7 @@
               </a:ln>
               <a:extLst>
                 <a:ext uri="{91240B29-F687-4f45-9708-019B960494DF}">
-                  <a14:hiddenLine xmlns:a14="http://schemas.microsoft.com/office/drawing/2010/main" xmlns="" w="9525">
+                  <a14:hiddenLine xmlns="" xmlns:a14="http://schemas.microsoft.com/office/drawing/2010/main" w="9525">
                     <a:solidFill>
                       <a:srgbClr val="000000"/>
                     </a:solidFill>
@@ -11888,7 +11888,7 @@
               </a:ln>
               <a:extLst>
                 <a:ext uri="{91240B29-F687-4f45-9708-019B960494DF}">
-                  <a14:hiddenLine xmlns:a14="http://schemas.microsoft.com/office/drawing/2010/main" xmlns="" w="9525">
+                  <a14:hiddenLine xmlns="" xmlns:a14="http://schemas.microsoft.com/office/drawing/2010/main" w="9525">
                     <a:solidFill>
                       <a:srgbClr val="000000"/>
                     </a:solidFill>
@@ -11978,7 +11978,7 @@
               </a:ln>
               <a:extLst>
                 <a:ext uri="{91240B29-F687-4f45-9708-019B960494DF}">
-                  <a14:hiddenLine xmlns:a14="http://schemas.microsoft.com/office/drawing/2010/main" xmlns="" w="9525">
+                  <a14:hiddenLine xmlns="" xmlns:a14="http://schemas.microsoft.com/office/drawing/2010/main" w="9525">
                     <a:solidFill>
                       <a:srgbClr val="000000"/>
                     </a:solidFill>
@@ -12040,7 +12040,7 @@
               </a:ln>
               <a:extLst>
                 <a:ext uri="{91240B29-F687-4f45-9708-019B960494DF}">
-                  <a14:hiddenLine xmlns:a14="http://schemas.microsoft.com/office/drawing/2010/main" xmlns="" w="9525">
+                  <a14:hiddenLine xmlns="" xmlns:a14="http://schemas.microsoft.com/office/drawing/2010/main" w="9525">
                     <a:solidFill>
                       <a:srgbClr val="000000"/>
                     </a:solidFill>
@@ -12130,7 +12130,7 @@
               </a:ln>
               <a:extLst>
                 <a:ext uri="{91240B29-F687-4f45-9708-019B960494DF}">
-                  <a14:hiddenLine xmlns:a14="http://schemas.microsoft.com/office/drawing/2010/main" xmlns="" w="9525">
+                  <a14:hiddenLine xmlns="" xmlns:a14="http://schemas.microsoft.com/office/drawing/2010/main" w="9525">
                     <a:solidFill>
                       <a:srgbClr val="000000"/>
                     </a:solidFill>
@@ -12195,7 +12195,7 @@
               </a:ln>
               <a:extLst>
                 <a:ext uri="{91240B29-F687-4f45-9708-019B960494DF}">
-                  <a14:hiddenLine xmlns:a14="http://schemas.microsoft.com/office/drawing/2010/main" xmlns="" w="9525">
+                  <a14:hiddenLine xmlns="" xmlns:a14="http://schemas.microsoft.com/office/drawing/2010/main" w="9525">
                     <a:solidFill>
                       <a:srgbClr val="000000"/>
                     </a:solidFill>
@@ -12257,7 +12257,7 @@
               </a:ln>
               <a:extLst>
                 <a:ext uri="{91240B29-F687-4f45-9708-019B960494DF}">
-                  <a14:hiddenLine xmlns:a14="http://schemas.microsoft.com/office/drawing/2010/main" xmlns="" w="9525">
+                  <a14:hiddenLine xmlns="" xmlns:a14="http://schemas.microsoft.com/office/drawing/2010/main" w="9525">
                     <a:solidFill>
                       <a:srgbClr val="000000"/>
                     </a:solidFill>
@@ -12347,7 +12347,7 @@
               </a:ln>
               <a:extLst>
                 <a:ext uri="{91240B29-F687-4f45-9708-019B960494DF}">
-                  <a14:hiddenLine xmlns:a14="http://schemas.microsoft.com/office/drawing/2010/main" xmlns="" w="9525">
+                  <a14:hiddenLine xmlns="" xmlns:a14="http://schemas.microsoft.com/office/drawing/2010/main" w="9525">
                     <a:solidFill>
                       <a:srgbClr val="000000"/>
                     </a:solidFill>
@@ -12437,7 +12437,7 @@
               </a:ln>
               <a:extLst>
                 <a:ext uri="{91240B29-F687-4f45-9708-019B960494DF}">
-                  <a14:hiddenLine xmlns:a14="http://schemas.microsoft.com/office/drawing/2010/main" xmlns="" w="9525">
+                  <a14:hiddenLine xmlns="" xmlns:a14="http://schemas.microsoft.com/office/drawing/2010/main" w="9525">
                     <a:solidFill>
                       <a:srgbClr val="000000"/>
                     </a:solidFill>
@@ -12502,7 +12502,7 @@
               </a:ln>
               <a:extLst>
                 <a:ext uri="{91240B29-F687-4f45-9708-019B960494DF}">
-                  <a14:hiddenLine xmlns:a14="http://schemas.microsoft.com/office/drawing/2010/main" xmlns="" w="9525">
+                  <a14:hiddenLine xmlns="" xmlns:a14="http://schemas.microsoft.com/office/drawing/2010/main" w="9525">
                     <a:solidFill>
                       <a:srgbClr val="000000"/>
                     </a:solidFill>
@@ -12622,7 +12622,7 @@
               </a:ln>
               <a:extLst>
                 <a:ext uri="{91240B29-F687-4f45-9708-019B960494DF}">
-                  <a14:hiddenLine xmlns:a14="http://schemas.microsoft.com/office/drawing/2010/main" xmlns="" w="9525">
+                  <a14:hiddenLine xmlns="" xmlns:a14="http://schemas.microsoft.com/office/drawing/2010/main" w="9525">
                     <a:solidFill>
                       <a:srgbClr val="000000"/>
                     </a:solidFill>
@@ -12703,7 +12703,7 @@
               </a:ln>
               <a:extLst>
                 <a:ext uri="{91240B29-F687-4f45-9708-019B960494DF}">
-                  <a14:hiddenLine xmlns:a14="http://schemas.microsoft.com/office/drawing/2010/main" xmlns="" w="9525">
+                  <a14:hiddenLine xmlns="" xmlns:a14="http://schemas.microsoft.com/office/drawing/2010/main" w="9525">
                     <a:solidFill>
                       <a:srgbClr val="000000"/>
                     </a:solidFill>
@@ -12818,7 +12818,7 @@
               </a:ln>
               <a:extLst>
                 <a:ext uri="{91240B29-F687-4f45-9708-019B960494DF}">
-                  <a14:hiddenLine xmlns:a14="http://schemas.microsoft.com/office/drawing/2010/main" xmlns="" w="9525">
+                  <a14:hiddenLine xmlns="" xmlns:a14="http://schemas.microsoft.com/office/drawing/2010/main" w="9525">
                     <a:solidFill>
                       <a:srgbClr val="000000"/>
                     </a:solidFill>
@@ -12908,7 +12908,7 @@
               </a:ln>
               <a:extLst>
                 <a:ext uri="{91240B29-F687-4f45-9708-019B960494DF}">
-                  <a14:hiddenLine xmlns:a14="http://schemas.microsoft.com/office/drawing/2010/main" xmlns="" w="9525">
+                  <a14:hiddenLine xmlns="" xmlns:a14="http://schemas.microsoft.com/office/drawing/2010/main" w="9525">
                     <a:solidFill>
                       <a:srgbClr val="000000"/>
                     </a:solidFill>
@@ -12973,7 +12973,7 @@
               </a:ln>
               <a:extLst>
                 <a:ext uri="{91240B29-F687-4f45-9708-019B960494DF}">
-                  <a14:hiddenLine xmlns:a14="http://schemas.microsoft.com/office/drawing/2010/main" xmlns="" w="9525">
+                  <a14:hiddenLine xmlns="" xmlns:a14="http://schemas.microsoft.com/office/drawing/2010/main" w="9525">
                     <a:solidFill>
                       <a:srgbClr val="000000"/>
                     </a:solidFill>
@@ -13063,7 +13063,7 @@
               </a:ln>
               <a:extLst>
                 <a:ext uri="{91240B29-F687-4f45-9708-019B960494DF}">
-                  <a14:hiddenLine xmlns:a14="http://schemas.microsoft.com/office/drawing/2010/main" xmlns="" w="9525">
+                  <a14:hiddenLine xmlns="" xmlns:a14="http://schemas.microsoft.com/office/drawing/2010/main" w="9525">
                     <a:solidFill>
                       <a:srgbClr val="000000"/>
                     </a:solidFill>
@@ -13131,7 +13131,7 @@
               </a:ln>
               <a:extLst>
                 <a:ext uri="{91240B29-F687-4f45-9708-019B960494DF}">
-                  <a14:hiddenLine xmlns:a14="http://schemas.microsoft.com/office/drawing/2010/main" xmlns="" w="9525">
+                  <a14:hiddenLine xmlns="" xmlns:a14="http://schemas.microsoft.com/office/drawing/2010/main" w="9525">
                     <a:solidFill>
                       <a:srgbClr val="000000"/>
                     </a:solidFill>
@@ -13221,7 +13221,7 @@
               </a:ln>
               <a:extLst>
                 <a:ext uri="{91240B29-F687-4f45-9708-019B960494DF}">
-                  <a14:hiddenLine xmlns:a14="http://schemas.microsoft.com/office/drawing/2010/main" xmlns="" w="9525">
+                  <a14:hiddenLine xmlns="" xmlns:a14="http://schemas.microsoft.com/office/drawing/2010/main" w="9525">
                     <a:solidFill>
                       <a:srgbClr val="000000"/>
                     </a:solidFill>
@@ -13289,7 +13289,7 @@
               </a:ln>
               <a:extLst>
                 <a:ext uri="{91240B29-F687-4f45-9708-019B960494DF}">
-                  <a14:hiddenLine xmlns:a14="http://schemas.microsoft.com/office/drawing/2010/main" xmlns="" w="9525">
+                  <a14:hiddenLine xmlns="" xmlns:a14="http://schemas.microsoft.com/office/drawing/2010/main" w="9525">
                     <a:solidFill>
                       <a:srgbClr val="000000"/>
                     </a:solidFill>
@@ -13379,7 +13379,7 @@
               </a:ln>
               <a:extLst>
                 <a:ext uri="{91240B29-F687-4f45-9708-019B960494DF}">
-                  <a14:hiddenLine xmlns:a14="http://schemas.microsoft.com/office/drawing/2010/main" xmlns="" w="9525">
+                  <a14:hiddenLine xmlns="" xmlns:a14="http://schemas.microsoft.com/office/drawing/2010/main" w="9525">
                     <a:solidFill>
                       <a:srgbClr val="000000"/>
                     </a:solidFill>
@@ -13413,7 +13413,7 @@
               </a:ln>
               <a:extLst>
                 <a:ext uri="{91240B29-F687-4f45-9708-019B960494DF}">
-                  <a14:hiddenLine xmlns:a14="http://schemas.microsoft.com/office/drawing/2010/main" xmlns="" w="9525">
+                  <a14:hiddenLine xmlns="" xmlns:a14="http://schemas.microsoft.com/office/drawing/2010/main" w="9525">
                     <a:solidFill>
                       <a:srgbClr val="000000"/>
                     </a:solidFill>
@@ -14407,14 +14407,14 @@
           <a:lstStyle/>
           <a:p>
             <a:r>
-              <a:rPr lang="de-DE" dirty="0"/>
+              <a:rPr lang="de-DE" b="1" dirty="0"/>
               <a:t>Average </a:t>
             </a:r>
             <a:r>
-              <a:rPr lang="de-DE" dirty="0" err="1"/>
+              <a:rPr lang="de-DE" b="1" dirty="0" err="1"/>
               <a:t>position</a:t>
             </a:r>
-            <a:endParaRPr lang="de-IT" dirty="0"/>
+            <a:endParaRPr lang="de-IT" b="1" dirty="0"/>
           </a:p>
         </p:txBody>
       </p:sp>
@@ -14448,8 +14448,8 @@
           </a:p>
         </p:txBody>
       </p:sp>
-      <mc:AlternateContent xmlns:mc="http://schemas.openxmlformats.org/markup-compatibility/2006">
-        <mc:Choice xmlns:a14="http://schemas.microsoft.com/office/drawing/2010/main" Requires="a14">
+      <mc:AlternateContent xmlns:mc="http://schemas.openxmlformats.org/markup-compatibility/2006" xmlns:a14="http://schemas.microsoft.com/office/drawing/2010/main">
+        <mc:Choice Requires="a14">
           <p:sp>
             <p:nvSpPr>
               <p:cNvPr id="3" name="Textfeld 2">
@@ -14537,7 +14537,7 @@
             </p:txBody>
           </p:sp>
         </mc:Choice>
-        <mc:Fallback>
+        <mc:Fallback xmlns="">
           <p:sp>
             <p:nvSpPr>
               <p:cNvPr id="3" name="Textfeld 2">
@@ -14639,14 +14639,14 @@
           <a:lstStyle/>
           <a:p>
             <a:r>
-              <a:rPr lang="de-DE" dirty="0" err="1"/>
+              <a:rPr lang="de-DE" b="1" dirty="0" err="1"/>
               <a:t>Results</a:t>
             </a:r>
             <a:r>
-              <a:rPr lang="de-DE" dirty="0"/>
+              <a:rPr lang="de-DE" b="1" dirty="0"/>
               <a:t>:</a:t>
             </a:r>
-            <a:endParaRPr lang="de-IT" dirty="0"/>
+            <a:endParaRPr lang="de-IT" b="1" dirty="0"/>
           </a:p>
         </p:txBody>
       </p:sp>
@@ -15169,10 +15169,10 @@
           <a:p>
             <a:pPr algn="ctr"/>
             <a:r>
-              <a:rPr lang="en-US" sz="4400" dirty="0"/>
+              <a:rPr lang="en-US" sz="4400" b="1" dirty="0"/>
               <a:t>Questions?</a:t>
             </a:r>
-            <a:endParaRPr lang="de-AT" sz="4400" dirty="0"/>
+            <a:endParaRPr lang="de-AT" sz="4400" b="1" dirty="0"/>
           </a:p>
         </p:txBody>
       </p:sp>
@@ -15656,7 +15656,7 @@
         <p:spPr>
           <a:xfrm>
             <a:off x="6629400" y="0"/>
-            <a:ext cx="4318829" cy="1478570"/>
+            <a:ext cx="4752109" cy="1478570"/>
           </a:xfrm>
         </p:spPr>
         <p:txBody>
@@ -15666,10 +15666,10 @@
           <a:lstStyle/>
           <a:p>
             <a:r>
-              <a:rPr lang="de-DE" sz="4400" dirty="0"/>
+              <a:rPr lang="de-DE" sz="4400" b="1" dirty="0"/>
               <a:t>Project Pipeline</a:t>
             </a:r>
-            <a:endParaRPr lang="de-IT" sz="4400" dirty="0"/>
+            <a:endParaRPr lang="de-IT" sz="4400" b="1" dirty="0"/>
           </a:p>
         </p:txBody>
       </p:sp>
@@ -16613,10 +16613,10 @@
           <a:lstStyle/>
           <a:p>
             <a:r>
-              <a:rPr lang="en-US" dirty="0"/>
+              <a:rPr lang="en-US" b="1" dirty="0"/>
               <a:t>LLM (GPT4-ALL)</a:t>
             </a:r>
-            <a:endParaRPr lang="en-AT" dirty="0"/>
+            <a:endParaRPr lang="en-AT" b="1" dirty="0"/>
           </a:p>
         </p:txBody>
       </p:sp>
@@ -16804,10 +16804,10 @@
           <a:lstStyle/>
           <a:p>
             <a:r>
-              <a:rPr lang="en-US" dirty="0"/>
+              <a:rPr lang="en-US" b="1" dirty="0"/>
               <a:t>Validation of our pipeline</a:t>
             </a:r>
-            <a:endParaRPr lang="en-AT" dirty="0"/>
+            <a:endParaRPr lang="en-AT" b="1" dirty="0"/>
           </a:p>
         </p:txBody>
       </p:sp>
@@ -17459,30 +17459,30 @@
           <a:lstStyle/>
           <a:p>
             <a:r>
-              <a:rPr lang="de-DE" dirty="0" err="1"/>
+              <a:rPr lang="de-DE" b="1" dirty="0" err="1"/>
               <a:t>Amount</a:t>
             </a:r>
             <a:r>
-              <a:rPr lang="de-DE" dirty="0"/>
+              <a:rPr lang="de-DE" b="1" dirty="0"/>
               <a:t> </a:t>
             </a:r>
             <a:r>
-              <a:rPr lang="de-DE" dirty="0" err="1"/>
+              <a:rPr lang="de-DE" b="1" dirty="0" err="1"/>
               <a:t>of</a:t>
             </a:r>
             <a:r>
-              <a:rPr lang="de-DE" dirty="0"/>
+              <a:rPr lang="de-DE" b="1" dirty="0"/>
               <a:t> LLM </a:t>
             </a:r>
             <a:r>
-              <a:rPr lang="de-DE" dirty="0" err="1"/>
+              <a:rPr lang="de-DE" b="1" dirty="0" err="1"/>
               <a:t>documents</a:t>
             </a:r>
             <a:r>
-              <a:rPr lang="de-DE" dirty="0"/>
+              <a:rPr lang="de-DE" b="1" dirty="0"/>
               <a:t> [%]</a:t>
             </a:r>
-            <a:endParaRPr lang="de-IT" dirty="0"/>
+            <a:endParaRPr lang="de-IT" b="1" dirty="0"/>
           </a:p>
         </p:txBody>
       </p:sp>
@@ -17573,8 +17573,8 @@
           </a:extLst>
         </p:spPr>
       </p:pic>
-      <mc:AlternateContent xmlns:mc="http://schemas.openxmlformats.org/markup-compatibility/2006">
-        <mc:Choice xmlns:a14="http://schemas.microsoft.com/office/drawing/2010/main" Requires="a14">
+      <mc:AlternateContent xmlns:mc="http://schemas.openxmlformats.org/markup-compatibility/2006" xmlns:a14="http://schemas.microsoft.com/office/drawing/2010/main">
+        <mc:Choice Requires="a14">
           <p:sp>
             <p:nvSpPr>
               <p:cNvPr id="5" name="Textfeld 4">
@@ -17662,7 +17662,7 @@
             </p:txBody>
           </p:sp>
         </mc:Choice>
-        <mc:Fallback>
+        <mc:Fallback xmlns="">
           <p:sp>
             <p:nvSpPr>
               <p:cNvPr id="5" name="Textfeld 4">
@@ -17821,30 +17821,30 @@
           <a:lstStyle/>
           <a:p>
             <a:r>
-              <a:rPr lang="de-DE" dirty="0"/>
+              <a:rPr lang="de-DE" b="1" dirty="0"/>
               <a:t>Position </a:t>
             </a:r>
             <a:r>
-              <a:rPr lang="de-DE" dirty="0" err="1"/>
+              <a:rPr lang="de-DE" b="1" dirty="0" err="1"/>
               <a:t>of</a:t>
             </a:r>
             <a:r>
-              <a:rPr lang="de-DE" dirty="0"/>
+              <a:rPr lang="de-DE" b="1" dirty="0"/>
               <a:t> </a:t>
             </a:r>
             <a:r>
-              <a:rPr lang="de-DE" dirty="0" err="1"/>
+              <a:rPr lang="de-DE" b="1" dirty="0" err="1"/>
               <a:t>first</a:t>
             </a:r>
             <a:r>
-              <a:rPr lang="de-DE" dirty="0"/>
+              <a:rPr lang="de-DE" b="1" dirty="0"/>
               <a:t> LLM </a:t>
             </a:r>
             <a:r>
-              <a:rPr lang="de-DE" dirty="0" err="1"/>
+              <a:rPr lang="de-DE" b="1" dirty="0" err="1"/>
               <a:t>document</a:t>
             </a:r>
-            <a:endParaRPr lang="de-IT" dirty="0"/>
+            <a:endParaRPr lang="de-IT" b="1" dirty="0"/>
           </a:p>
         </p:txBody>
       </p:sp>
@@ -17878,8 +17878,8 @@
           </a:p>
         </p:txBody>
       </p:sp>
-      <mc:AlternateContent xmlns:mc="http://schemas.openxmlformats.org/markup-compatibility/2006">
-        <mc:Choice xmlns:a14="http://schemas.microsoft.com/office/drawing/2010/main" Requires="a14">
+      <mc:AlternateContent xmlns:mc="http://schemas.openxmlformats.org/markup-compatibility/2006" xmlns:a14="http://schemas.microsoft.com/office/drawing/2010/main">
+        <mc:Choice Requires="a14">
           <p:sp>
             <p:nvSpPr>
               <p:cNvPr id="3" name="Textfeld 2">
@@ -17967,7 +17967,7 @@
             </p:txBody>
           </p:sp>
         </mc:Choice>
-        <mc:Fallback>
+        <mc:Fallback xmlns="">
           <p:sp>
             <p:nvSpPr>
               <p:cNvPr id="3" name="Textfeld 2">
